--- a/Present_ start.pptx
+++ b/Present_ start.pptx
@@ -6,9 +6,10 @@
   </p:sldMasterIdLst>
   <p:sldIdLst>
     <p:sldId id="256" r:id="rId2"/>
-    <p:sldId id="257" r:id="rId3"/>
-    <p:sldId id="260" r:id="rId4"/>
-    <p:sldId id="259" r:id="rId5"/>
+    <p:sldId id="261" r:id="rId3"/>
+    <p:sldId id="257" r:id="rId4"/>
+    <p:sldId id="260" r:id="rId5"/>
+    <p:sldId id="259" r:id="rId6"/>
   </p:sldIdLst>
   <p:sldSz cx="12192000" cy="6858000"/>
   <p:notesSz cx="6858000" cy="9144000"/>
@@ -262,7 +263,7 @@
           <a:p>
             <a:fld id="{E36620F8-B7B0-4A4A-8F31-6CC80A428125}" type="datetimeFigureOut">
               <a:rPr lang="en-US" smtClean="0"/>
-              <a:t>3/18/2020</a:t>
+              <a:t>3/19/2020</a:t>
             </a:fld>
             <a:endParaRPr lang="en-US"/>
           </a:p>
@@ -460,7 +461,7 @@
           <a:p>
             <a:fld id="{E36620F8-B7B0-4A4A-8F31-6CC80A428125}" type="datetimeFigureOut">
               <a:rPr lang="en-US" smtClean="0"/>
-              <a:t>3/18/2020</a:t>
+              <a:t>3/19/2020</a:t>
             </a:fld>
             <a:endParaRPr lang="en-US"/>
           </a:p>
@@ -668,7 +669,7 @@
           <a:p>
             <a:fld id="{E36620F8-B7B0-4A4A-8F31-6CC80A428125}" type="datetimeFigureOut">
               <a:rPr lang="en-US" smtClean="0"/>
-              <a:t>3/18/2020</a:t>
+              <a:t>3/19/2020</a:t>
             </a:fld>
             <a:endParaRPr lang="en-US"/>
           </a:p>
@@ -866,7 +867,7 @@
           <a:p>
             <a:fld id="{E36620F8-B7B0-4A4A-8F31-6CC80A428125}" type="datetimeFigureOut">
               <a:rPr lang="en-US" smtClean="0"/>
-              <a:t>3/18/2020</a:t>
+              <a:t>3/19/2020</a:t>
             </a:fld>
             <a:endParaRPr lang="en-US"/>
           </a:p>
@@ -1141,7 +1142,7 @@
           <a:p>
             <a:fld id="{E36620F8-B7B0-4A4A-8F31-6CC80A428125}" type="datetimeFigureOut">
               <a:rPr lang="en-US" smtClean="0"/>
-              <a:t>3/18/2020</a:t>
+              <a:t>3/19/2020</a:t>
             </a:fld>
             <a:endParaRPr lang="en-US"/>
           </a:p>
@@ -1406,7 +1407,7 @@
           <a:p>
             <a:fld id="{E36620F8-B7B0-4A4A-8F31-6CC80A428125}" type="datetimeFigureOut">
               <a:rPr lang="en-US" smtClean="0"/>
-              <a:t>3/18/2020</a:t>
+              <a:t>3/19/2020</a:t>
             </a:fld>
             <a:endParaRPr lang="en-US"/>
           </a:p>
@@ -1818,7 +1819,7 @@
           <a:p>
             <a:fld id="{E36620F8-B7B0-4A4A-8F31-6CC80A428125}" type="datetimeFigureOut">
               <a:rPr lang="en-US" smtClean="0"/>
-              <a:t>3/18/2020</a:t>
+              <a:t>3/19/2020</a:t>
             </a:fld>
             <a:endParaRPr lang="en-US"/>
           </a:p>
@@ -1959,7 +1960,7 @@
           <a:p>
             <a:fld id="{E36620F8-B7B0-4A4A-8F31-6CC80A428125}" type="datetimeFigureOut">
               <a:rPr lang="en-US" smtClean="0"/>
-              <a:t>3/18/2020</a:t>
+              <a:t>3/19/2020</a:t>
             </a:fld>
             <a:endParaRPr lang="en-US"/>
           </a:p>
@@ -2072,7 +2073,7 @@
           <a:p>
             <a:fld id="{E36620F8-B7B0-4A4A-8F31-6CC80A428125}" type="datetimeFigureOut">
               <a:rPr lang="en-US" smtClean="0"/>
-              <a:t>3/18/2020</a:t>
+              <a:t>3/19/2020</a:t>
             </a:fld>
             <a:endParaRPr lang="en-US"/>
           </a:p>
@@ -2383,7 +2384,7 @@
           <a:p>
             <a:fld id="{E36620F8-B7B0-4A4A-8F31-6CC80A428125}" type="datetimeFigureOut">
               <a:rPr lang="en-US" smtClean="0"/>
-              <a:t>3/18/2020</a:t>
+              <a:t>3/19/2020</a:t>
             </a:fld>
             <a:endParaRPr lang="en-US"/>
           </a:p>
@@ -2671,7 +2672,7 @@
           <a:p>
             <a:fld id="{E36620F8-B7B0-4A4A-8F31-6CC80A428125}" type="datetimeFigureOut">
               <a:rPr lang="en-US" smtClean="0"/>
-              <a:t>3/18/2020</a:t>
+              <a:t>3/19/2020</a:t>
             </a:fld>
             <a:endParaRPr lang="en-US"/>
           </a:p>
@@ -2912,7 +2913,7 @@
           <a:p>
             <a:fld id="{E36620F8-B7B0-4A4A-8F31-6CC80A428125}" type="datetimeFigureOut">
               <a:rPr lang="en-US" smtClean="0"/>
-              <a:t>3/18/2020</a:t>
+              <a:t>3/19/2020</a:t>
             </a:fld>
             <a:endParaRPr lang="en-US"/>
           </a:p>
@@ -3412,19 +3413,49 @@
           <a:chExt cx="0" cy="0"/>
         </a:xfrm>
       </p:grpSpPr>
+      <p:sp>
+        <p:nvSpPr>
+          <p:cNvPr id="2" name="Title 1">
+            <a:extLst>
+              <a:ext uri="{FF2B5EF4-FFF2-40B4-BE49-F238E27FC236}">
+                <a16:creationId xmlns:a16="http://schemas.microsoft.com/office/drawing/2014/main" id="{A353CDA6-B3C9-42C1-81E4-5DC5CD1BA369}"/>
+              </a:ext>
+            </a:extLst>
+          </p:cNvPr>
+          <p:cNvSpPr>
+            <a:spLocks noGrp="1"/>
+          </p:cNvSpPr>
+          <p:nvPr>
+            <p:ph type="title"/>
+          </p:nvPr>
+        </p:nvSpPr>
+        <p:spPr/>
+        <p:txBody>
+          <a:bodyPr/>
+          <a:lstStyle/>
+          <a:p>
+            <a:r>
+              <a:rPr lang="en-US" dirty="0"/>
+              <a:t>Total Number of Fires in US State or Territory</a:t>
+            </a:r>
+          </a:p>
+        </p:txBody>
+      </p:sp>
       <p:pic>
         <p:nvPicPr>
-          <p:cNvPr id="3" name="Picture 2">
-            <a:extLst>
-              <a:ext uri="{FF2B5EF4-FFF2-40B4-BE49-F238E27FC236}">
-                <a16:creationId xmlns:a16="http://schemas.microsoft.com/office/drawing/2014/main" id="{3AEFCA43-49A1-4C6A-B67E-B1BB96E17A6A}"/>
+          <p:cNvPr id="5" name="Content Placeholder 4">
+            <a:extLst>
+              <a:ext uri="{FF2B5EF4-FFF2-40B4-BE49-F238E27FC236}">
+                <a16:creationId xmlns:a16="http://schemas.microsoft.com/office/drawing/2014/main" id="{3C5CA985-6EBE-4CA7-A80E-9CC6838015E8}"/>
               </a:ext>
             </a:extLst>
           </p:cNvPr>
           <p:cNvPicPr>
-            <a:picLocks noChangeAspect="1"/>
+            <a:picLocks noGrp="1" noChangeAspect="1"/>
           </p:cNvPicPr>
-          <p:nvPr/>
+          <p:nvPr>
+            <p:ph idx="1"/>
+          </p:nvPr>
         </p:nvPicPr>
         <p:blipFill>
           <a:blip r:embed="rId2">
@@ -3440,18 +3471,15 @@
         </p:blipFill>
         <p:spPr>
           <a:xfrm>
-            <a:off x="2667000" y="0"/>
-            <a:ext cx="6858000" cy="6858000"/>
+            <a:off x="1963025" y="1182847"/>
+            <a:ext cx="8137320" cy="5500127"/>
           </a:xfrm>
-          <a:prstGeom prst="rect">
-            <a:avLst/>
-          </a:prstGeom>
         </p:spPr>
       </p:pic>
     </p:spTree>
     <p:extLst>
       <p:ext uri="{BB962C8B-B14F-4D97-AF65-F5344CB8AC3E}">
-        <p14:creationId xmlns:p14="http://schemas.microsoft.com/office/powerpoint/2010/main" val="245100686"/>
+        <p14:creationId xmlns:p14="http://schemas.microsoft.com/office/powerpoint/2010/main" val="2735734548"/>
       </p:ext>
     </p:extLst>
   </p:cSld>
@@ -3483,6 +3511,72 @@
           <p:cNvPr id="3" name="Picture 2">
             <a:extLst>
               <a:ext uri="{FF2B5EF4-FFF2-40B4-BE49-F238E27FC236}">
+                <a16:creationId xmlns:a16="http://schemas.microsoft.com/office/drawing/2014/main" id="{3AEFCA43-49A1-4C6A-B67E-B1BB96E17A6A}"/>
+              </a:ext>
+            </a:extLst>
+          </p:cNvPr>
+          <p:cNvPicPr>
+            <a:picLocks noChangeAspect="1"/>
+          </p:cNvPicPr>
+          <p:nvPr/>
+        </p:nvPicPr>
+        <p:blipFill>
+          <a:blip r:embed="rId2">
+            <a:extLst>
+              <a:ext uri="{28A0092B-C50C-407E-A947-70E740481C1C}">
+                <a14:useLocalDpi xmlns:a14="http://schemas.microsoft.com/office/drawing/2010/main" val="0"/>
+              </a:ext>
+            </a:extLst>
+          </a:blip>
+          <a:stretch>
+            <a:fillRect/>
+          </a:stretch>
+        </p:blipFill>
+        <p:spPr>
+          <a:xfrm>
+            <a:off x="2667000" y="0"/>
+            <a:ext cx="6858000" cy="6858000"/>
+          </a:xfrm>
+          <a:prstGeom prst="rect">
+            <a:avLst/>
+          </a:prstGeom>
+        </p:spPr>
+      </p:pic>
+    </p:spTree>
+    <p:extLst>
+      <p:ext uri="{BB962C8B-B14F-4D97-AF65-F5344CB8AC3E}">
+        <p14:creationId xmlns:p14="http://schemas.microsoft.com/office/powerpoint/2010/main" val="245100686"/>
+      </p:ext>
+    </p:extLst>
+  </p:cSld>
+  <p:clrMapOvr>
+    <a:masterClrMapping/>
+  </p:clrMapOvr>
+</p:sld>
+</file>
+
+<file path=ppt/slides/slide4.xml><?xml version="1.0" encoding="utf-8"?>
+<p:sld xmlns:a="http://schemas.openxmlformats.org/drawingml/2006/main" xmlns:r="http://schemas.openxmlformats.org/officeDocument/2006/relationships" xmlns:p="http://schemas.openxmlformats.org/presentationml/2006/main">
+  <p:cSld>
+    <p:spTree>
+      <p:nvGrpSpPr>
+        <p:cNvPr id="1" name=""/>
+        <p:cNvGrpSpPr/>
+        <p:nvPr/>
+      </p:nvGrpSpPr>
+      <p:grpSpPr>
+        <a:xfrm>
+          <a:off x="0" y="0"/>
+          <a:ext cx="0" cy="0"/>
+          <a:chOff x="0" y="0"/>
+          <a:chExt cx="0" cy="0"/>
+        </a:xfrm>
+      </p:grpSpPr>
+      <p:pic>
+        <p:nvPicPr>
+          <p:cNvPr id="3" name="Picture 2">
+            <a:extLst>
+              <a:ext uri="{FF2B5EF4-FFF2-40B4-BE49-F238E27FC236}">
                 <a16:creationId xmlns:a16="http://schemas.microsoft.com/office/drawing/2014/main" id="{900C0CB8-5304-4B3E-960D-515D7EE464E3}"/>
               </a:ext>
             </a:extLst>
@@ -3527,7 +3621,7 @@
 </p:sld>
 </file>
 
-<file path=ppt/slides/slide4.xml><?xml version="1.0" encoding="utf-8"?>
+<file path=ppt/slides/slide5.xml><?xml version="1.0" encoding="utf-8"?>
 <p:sld xmlns:a="http://schemas.openxmlformats.org/drawingml/2006/main" xmlns:r="http://schemas.openxmlformats.org/officeDocument/2006/relationships" xmlns:p="http://schemas.openxmlformats.org/presentationml/2006/main">
   <p:cSld>
     <p:spTree>
